--- a/Final_Presentation.pptx
+++ b/Final_Presentation.pptx
@@ -1,21 +1,21 @@
 
 <file path=ppt/presentation.xml><?xml version="1.0" encoding="utf-8"?>
-<p:presentation xmlns:a="http://schemas.openxmlformats.org/drawingml/2006/main" xmlns:r="http://schemas.openxmlformats.org/officeDocument/2006/relationships" xmlns:p="http://schemas.openxmlformats.org/presentationml/2006/main" saveSubsetFonts="1" embedTrueTypeFonts="true">
+<p:presentation xmlns:a="http://schemas.openxmlformats.org/drawingml/2006/main" xmlns:r="http://schemas.openxmlformats.org/officeDocument/2006/relationships" xmlns:p="http://schemas.openxmlformats.org/presentationml/2006/main" embedTrueTypeFonts="1" saveSubsetFonts="1">
   <p:sldMasterIdLst>
     <p:sldMasterId id="2147483648" r:id="rId1"/>
   </p:sldMasterIdLst>
   <p:sldIdLst>
-    <p:sldId id="256" r:id="rId6"/>
-    <p:sldId id="257" r:id="rId7"/>
-    <p:sldId id="258" r:id="rId8"/>
-    <p:sldId id="259" r:id="rId9"/>
+    <p:sldId id="256" r:id="rId2"/>
+    <p:sldId id="257" r:id="rId3"/>
+    <p:sldId id="258" r:id="rId4"/>
+    <p:sldId id="259" r:id="rId5"/>
   </p:sldIdLst>
   <p:sldSz cx="18288000" cy="10287000"/>
   <p:notesSz cx="6858000" cy="9144000"/>
   <p:embeddedFontLst>
     <p:embeddedFont>
-      <p:font typeface="Anton" charset="1" panose="00000500000000000000"/>
-      <p:regular r:id="rId10"/>
+      <p:font typeface="Anton" pitchFamily="2" charset="77"/>
+      <p:regular r:id="rId6"/>
     </p:embeddedFont>
   </p:embeddedFontLst>
   <p:defaultTextStyle>
@@ -113,6 +113,22 @@
       </a:defRPr>
     </a:lvl9pPr>
   </p:defaultTextStyle>
+  <p:extLst>
+    <p:ext uri="{EFAFB233-063F-42B5-8137-9DF3F51BA10A}">
+      <p15:sldGuideLst xmlns:p15="http://schemas.microsoft.com/office/powerpoint/2012/main">
+        <p15:guide id="1" orient="horz" pos="2160">
+          <p15:clr>
+            <a:srgbClr val="A4A3A4"/>
+          </p15:clr>
+        </p15:guide>
+        <p15:guide id="2" pos="2880">
+          <p15:clr>
+            <a:srgbClr val="A4A3A4"/>
+          </p15:clr>
+        </p15:guide>
+      </p15:sldGuideLst>
+    </p:ext>
+  </p:extLst>
 </p:presentation>
 </file>
 
@@ -154,10 +170,9 @@
           <a:lstStyle/>
           <a:p>
             <a:r>
-              <a:rPr lang="en-US" smtClean="0"/>
+              <a:rPr lang="en-US"/>
               <a:t>Click to edit Master title style</a:t>
             </a:r>
-            <a:endParaRPr lang="en-US"/>
           </a:p>
         </p:txBody>
       </p:sp>
@@ -273,10 +288,9 @@
           </a:lstStyle>
           <a:p>
             <a:r>
-              <a:rPr lang="en-US" smtClean="0"/>
+              <a:rPr lang="en-US"/>
               <a:t>Click to edit Master subtitle style</a:t>
             </a:r>
-            <a:endParaRPr lang="en-US"/>
           </a:p>
         </p:txBody>
       </p:sp>
@@ -298,7 +312,7 @@
             <a:fld id="{1D8BD707-D9CF-40AE-B4C6-C98DA3205C09}" type="datetimeFigureOut">
               <a:rPr lang="en-US" smtClean="0"/>
               <a:pPr/>
-              <a:t>8/1/2011</a:t>
+              <a:t>12/10/25</a:t>
             </a:fld>
             <a:endParaRPr lang="en-US"/>
           </a:p>
@@ -388,10 +402,9 @@
           <a:lstStyle/>
           <a:p>
             <a:r>
-              <a:rPr lang="en-US" smtClean="0"/>
+              <a:rPr lang="en-US"/>
               <a:t>Click to edit Master title style</a:t>
             </a:r>
-            <a:endParaRPr lang="en-US"/>
           </a:p>
         </p:txBody>
       </p:sp>
@@ -412,38 +425,37 @@
           <a:p>
             <a:pPr lvl="0"/>
             <a:r>
-              <a:rPr lang="en-US" smtClean="0"/>
+              <a:rPr lang="en-US"/>
               <a:t>Click to edit Master text styles</a:t>
             </a:r>
           </a:p>
           <a:p>
             <a:pPr lvl="1"/>
             <a:r>
-              <a:rPr lang="en-US" smtClean="0"/>
+              <a:rPr lang="en-US"/>
               <a:t>Second level</a:t>
             </a:r>
           </a:p>
           <a:p>
             <a:pPr lvl="2"/>
             <a:r>
-              <a:rPr lang="en-US" smtClean="0"/>
+              <a:rPr lang="en-US"/>
               <a:t>Third level</a:t>
             </a:r>
           </a:p>
           <a:p>
             <a:pPr lvl="3"/>
             <a:r>
-              <a:rPr lang="en-US" smtClean="0"/>
+              <a:rPr lang="en-US"/>
               <a:t>Fourth level</a:t>
             </a:r>
           </a:p>
           <a:p>
             <a:pPr lvl="4"/>
             <a:r>
-              <a:rPr lang="en-US" smtClean="0"/>
+              <a:rPr lang="en-US"/>
               <a:t>Fifth level</a:t>
             </a:r>
-            <a:endParaRPr lang="en-US"/>
           </a:p>
         </p:txBody>
       </p:sp>
@@ -465,7 +477,7 @@
             <a:fld id="{1D8BD707-D9CF-40AE-B4C6-C98DA3205C09}" type="datetimeFigureOut">
               <a:rPr lang="en-US" smtClean="0"/>
               <a:pPr/>
-              <a:t>8/1/2011</a:t>
+              <a:t>12/10/25</a:t>
             </a:fld>
             <a:endParaRPr lang="en-US"/>
           </a:p>
@@ -560,10 +572,9 @@
           <a:lstStyle/>
           <a:p>
             <a:r>
-              <a:rPr lang="en-US" smtClean="0"/>
+              <a:rPr lang="en-US"/>
               <a:t>Click to edit Master title style</a:t>
             </a:r>
-            <a:endParaRPr lang="en-US"/>
           </a:p>
         </p:txBody>
       </p:sp>
@@ -589,38 +600,37 @@
           <a:p>
             <a:pPr lvl="0"/>
             <a:r>
-              <a:rPr lang="en-US" smtClean="0"/>
+              <a:rPr lang="en-US"/>
               <a:t>Click to edit Master text styles</a:t>
             </a:r>
           </a:p>
           <a:p>
             <a:pPr lvl="1"/>
             <a:r>
-              <a:rPr lang="en-US" smtClean="0"/>
+              <a:rPr lang="en-US"/>
               <a:t>Second level</a:t>
             </a:r>
           </a:p>
           <a:p>
             <a:pPr lvl="2"/>
             <a:r>
-              <a:rPr lang="en-US" smtClean="0"/>
+              <a:rPr lang="en-US"/>
               <a:t>Third level</a:t>
             </a:r>
           </a:p>
           <a:p>
             <a:pPr lvl="3"/>
             <a:r>
-              <a:rPr lang="en-US" smtClean="0"/>
+              <a:rPr lang="en-US"/>
               <a:t>Fourth level</a:t>
             </a:r>
           </a:p>
           <a:p>
             <a:pPr lvl="4"/>
             <a:r>
-              <a:rPr lang="en-US" smtClean="0"/>
+              <a:rPr lang="en-US"/>
               <a:t>Fifth level</a:t>
             </a:r>
-            <a:endParaRPr lang="en-US"/>
           </a:p>
         </p:txBody>
       </p:sp>
@@ -642,7 +652,7 @@
             <a:fld id="{1D8BD707-D9CF-40AE-B4C6-C98DA3205C09}" type="datetimeFigureOut">
               <a:rPr lang="en-US" smtClean="0"/>
               <a:pPr/>
-              <a:t>8/1/2011</a:t>
+              <a:t>12/10/25</a:t>
             </a:fld>
             <a:endParaRPr lang="en-US"/>
           </a:p>
@@ -732,10 +742,9 @@
           <a:lstStyle/>
           <a:p>
             <a:r>
-              <a:rPr lang="en-US" smtClean="0"/>
+              <a:rPr lang="en-US"/>
               <a:t>Click to edit Master title style</a:t>
             </a:r>
-            <a:endParaRPr lang="en-US"/>
           </a:p>
         </p:txBody>
       </p:sp>
@@ -756,38 +765,37 @@
           <a:p>
             <a:pPr lvl="0"/>
             <a:r>
-              <a:rPr lang="en-US" smtClean="0"/>
+              <a:rPr lang="en-US"/>
               <a:t>Click to edit Master text styles</a:t>
             </a:r>
           </a:p>
           <a:p>
             <a:pPr lvl="1"/>
             <a:r>
-              <a:rPr lang="en-US" smtClean="0"/>
+              <a:rPr lang="en-US"/>
               <a:t>Second level</a:t>
             </a:r>
           </a:p>
           <a:p>
             <a:pPr lvl="2"/>
             <a:r>
-              <a:rPr lang="en-US" smtClean="0"/>
+              <a:rPr lang="en-US"/>
               <a:t>Third level</a:t>
             </a:r>
           </a:p>
           <a:p>
             <a:pPr lvl="3"/>
             <a:r>
-              <a:rPr lang="en-US" smtClean="0"/>
+              <a:rPr lang="en-US"/>
               <a:t>Fourth level</a:t>
             </a:r>
           </a:p>
           <a:p>
             <a:pPr lvl="4"/>
             <a:r>
-              <a:rPr lang="en-US" smtClean="0"/>
+              <a:rPr lang="en-US"/>
               <a:t>Fifth level</a:t>
             </a:r>
-            <a:endParaRPr lang="en-US"/>
           </a:p>
         </p:txBody>
       </p:sp>
@@ -809,7 +817,7 @@
             <a:fld id="{1D8BD707-D9CF-40AE-B4C6-C98DA3205C09}" type="datetimeFigureOut">
               <a:rPr lang="en-US" smtClean="0"/>
               <a:pPr/>
-              <a:t>8/1/2011</a:t>
+              <a:t>12/10/25</a:t>
             </a:fld>
             <a:endParaRPr lang="en-US"/>
           </a:p>
@@ -908,10 +916,9 @@
           </a:lstStyle>
           <a:p>
             <a:r>
-              <a:rPr lang="en-US" smtClean="0"/>
+              <a:rPr lang="en-US"/>
               <a:t>Click to edit Master title style</a:t>
             </a:r>
-            <a:endParaRPr lang="en-US"/>
           </a:p>
         </p:txBody>
       </p:sp>
@@ -1028,7 +1035,7 @@
           <a:p>
             <a:pPr lvl="0"/>
             <a:r>
-              <a:rPr lang="en-US" smtClean="0"/>
+              <a:rPr lang="en-US"/>
               <a:t>Click to edit Master text styles</a:t>
             </a:r>
           </a:p>
@@ -1052,7 +1059,7 @@
             <a:fld id="{1D8BD707-D9CF-40AE-B4C6-C98DA3205C09}" type="datetimeFigureOut">
               <a:rPr lang="en-US" smtClean="0"/>
               <a:pPr/>
-              <a:t>8/1/2011</a:t>
+              <a:t>12/10/25</a:t>
             </a:fld>
             <a:endParaRPr lang="en-US"/>
           </a:p>
@@ -1142,10 +1149,9 @@
           <a:lstStyle/>
           <a:p>
             <a:r>
-              <a:rPr lang="en-US" smtClean="0"/>
+              <a:rPr lang="en-US"/>
               <a:t>Click to edit Master title style</a:t>
             </a:r>
-            <a:endParaRPr lang="en-US"/>
           </a:p>
         </p:txBody>
       </p:sp>
@@ -1199,38 +1205,37 @@
           <a:p>
             <a:pPr lvl="0"/>
             <a:r>
-              <a:rPr lang="en-US" smtClean="0"/>
+              <a:rPr lang="en-US"/>
               <a:t>Click to edit Master text styles</a:t>
             </a:r>
           </a:p>
           <a:p>
             <a:pPr lvl="1"/>
             <a:r>
-              <a:rPr lang="en-US" smtClean="0"/>
+              <a:rPr lang="en-US"/>
               <a:t>Second level</a:t>
             </a:r>
           </a:p>
           <a:p>
             <a:pPr lvl="2"/>
             <a:r>
-              <a:rPr lang="en-US" smtClean="0"/>
+              <a:rPr lang="en-US"/>
               <a:t>Third level</a:t>
             </a:r>
           </a:p>
           <a:p>
             <a:pPr lvl="3"/>
             <a:r>
-              <a:rPr lang="en-US" smtClean="0"/>
+              <a:rPr lang="en-US"/>
               <a:t>Fourth level</a:t>
             </a:r>
           </a:p>
           <a:p>
             <a:pPr lvl="4"/>
             <a:r>
-              <a:rPr lang="en-US" smtClean="0"/>
+              <a:rPr lang="en-US"/>
               <a:t>Fifth level</a:t>
             </a:r>
-            <a:endParaRPr lang="en-US"/>
           </a:p>
         </p:txBody>
       </p:sp>
@@ -1284,38 +1289,37 @@
           <a:p>
             <a:pPr lvl="0"/>
             <a:r>
-              <a:rPr lang="en-US" smtClean="0"/>
+              <a:rPr lang="en-US"/>
               <a:t>Click to edit Master text styles</a:t>
             </a:r>
           </a:p>
           <a:p>
             <a:pPr lvl="1"/>
             <a:r>
-              <a:rPr lang="en-US" smtClean="0"/>
+              <a:rPr lang="en-US"/>
               <a:t>Second level</a:t>
             </a:r>
           </a:p>
           <a:p>
             <a:pPr lvl="2"/>
             <a:r>
-              <a:rPr lang="en-US" smtClean="0"/>
+              <a:rPr lang="en-US"/>
               <a:t>Third level</a:t>
             </a:r>
           </a:p>
           <a:p>
             <a:pPr lvl="3"/>
             <a:r>
-              <a:rPr lang="en-US" smtClean="0"/>
+              <a:rPr lang="en-US"/>
               <a:t>Fourth level</a:t>
             </a:r>
           </a:p>
           <a:p>
             <a:pPr lvl="4"/>
             <a:r>
-              <a:rPr lang="en-US" smtClean="0"/>
+              <a:rPr lang="en-US"/>
               <a:t>Fifth level</a:t>
             </a:r>
-            <a:endParaRPr lang="en-US"/>
           </a:p>
         </p:txBody>
       </p:sp>
@@ -1337,7 +1341,7 @@
             <a:fld id="{1D8BD707-D9CF-40AE-B4C6-C98DA3205C09}" type="datetimeFigureOut">
               <a:rPr lang="en-US" smtClean="0"/>
               <a:pPr/>
-              <a:t>8/1/2011</a:t>
+              <a:t>12/10/25</a:t>
             </a:fld>
             <a:endParaRPr lang="en-US"/>
           </a:p>
@@ -1431,10 +1435,9 @@
           </a:lstStyle>
           <a:p>
             <a:r>
-              <a:rPr lang="en-US" smtClean="0"/>
+              <a:rPr lang="en-US"/>
               <a:t>Click to edit Master title style</a:t>
             </a:r>
-            <a:endParaRPr lang="en-US"/>
           </a:p>
         </p:txBody>
       </p:sp>
@@ -1497,7 +1500,7 @@
           <a:p>
             <a:pPr lvl="0"/>
             <a:r>
-              <a:rPr lang="en-US" smtClean="0"/>
+              <a:rPr lang="en-US"/>
               <a:t>Click to edit Master text styles</a:t>
             </a:r>
           </a:p>
@@ -1553,38 +1556,37 @@
           <a:p>
             <a:pPr lvl="0"/>
             <a:r>
-              <a:rPr lang="en-US" smtClean="0"/>
+              <a:rPr lang="en-US"/>
               <a:t>Click to edit Master text styles</a:t>
             </a:r>
           </a:p>
           <a:p>
             <a:pPr lvl="1"/>
             <a:r>
-              <a:rPr lang="en-US" smtClean="0"/>
+              <a:rPr lang="en-US"/>
               <a:t>Second level</a:t>
             </a:r>
           </a:p>
           <a:p>
             <a:pPr lvl="2"/>
             <a:r>
-              <a:rPr lang="en-US" smtClean="0"/>
+              <a:rPr lang="en-US"/>
               <a:t>Third level</a:t>
             </a:r>
           </a:p>
           <a:p>
             <a:pPr lvl="3"/>
             <a:r>
-              <a:rPr lang="en-US" smtClean="0"/>
+              <a:rPr lang="en-US"/>
               <a:t>Fourth level</a:t>
             </a:r>
           </a:p>
           <a:p>
             <a:pPr lvl="4"/>
             <a:r>
-              <a:rPr lang="en-US" smtClean="0"/>
+              <a:rPr lang="en-US"/>
               <a:t>Fifth level</a:t>
             </a:r>
-            <a:endParaRPr lang="en-US"/>
           </a:p>
         </p:txBody>
       </p:sp>
@@ -1647,7 +1649,7 @@
           <a:p>
             <a:pPr lvl="0"/>
             <a:r>
-              <a:rPr lang="en-US" smtClean="0"/>
+              <a:rPr lang="en-US"/>
               <a:t>Click to edit Master text styles</a:t>
             </a:r>
           </a:p>
@@ -1703,38 +1705,37 @@
           <a:p>
             <a:pPr lvl="0"/>
             <a:r>
-              <a:rPr lang="en-US" smtClean="0"/>
+              <a:rPr lang="en-US"/>
               <a:t>Click to edit Master text styles</a:t>
             </a:r>
           </a:p>
           <a:p>
             <a:pPr lvl="1"/>
             <a:r>
-              <a:rPr lang="en-US" smtClean="0"/>
+              <a:rPr lang="en-US"/>
               <a:t>Second level</a:t>
             </a:r>
           </a:p>
           <a:p>
             <a:pPr lvl="2"/>
             <a:r>
-              <a:rPr lang="en-US" smtClean="0"/>
+              <a:rPr lang="en-US"/>
               <a:t>Third level</a:t>
             </a:r>
           </a:p>
           <a:p>
             <a:pPr lvl="3"/>
             <a:r>
-              <a:rPr lang="en-US" smtClean="0"/>
+              <a:rPr lang="en-US"/>
               <a:t>Fourth level</a:t>
             </a:r>
           </a:p>
           <a:p>
             <a:pPr lvl="4"/>
             <a:r>
-              <a:rPr lang="en-US" smtClean="0"/>
+              <a:rPr lang="en-US"/>
               <a:t>Fifth level</a:t>
             </a:r>
-            <a:endParaRPr lang="en-US"/>
           </a:p>
         </p:txBody>
       </p:sp>
@@ -1756,7 +1757,7 @@
             <a:fld id="{1D8BD707-D9CF-40AE-B4C6-C98DA3205C09}" type="datetimeFigureOut">
               <a:rPr lang="en-US" smtClean="0"/>
               <a:pPr/>
-              <a:t>8/1/2011</a:t>
+              <a:t>12/10/25</a:t>
             </a:fld>
             <a:endParaRPr lang="en-US"/>
           </a:p>
@@ -1846,10 +1847,9 @@
           <a:lstStyle/>
           <a:p>
             <a:r>
-              <a:rPr lang="en-US" smtClean="0"/>
+              <a:rPr lang="en-US"/>
               <a:t>Click to edit Master title style</a:t>
             </a:r>
-            <a:endParaRPr lang="en-US"/>
           </a:p>
         </p:txBody>
       </p:sp>
@@ -1871,7 +1871,7 @@
             <a:fld id="{1D8BD707-D9CF-40AE-B4C6-C98DA3205C09}" type="datetimeFigureOut">
               <a:rPr lang="en-US" smtClean="0"/>
               <a:pPr/>
-              <a:t>8/1/2011</a:t>
+              <a:t>12/10/25</a:t>
             </a:fld>
             <a:endParaRPr lang="en-US"/>
           </a:p>
@@ -1963,7 +1963,7 @@
             <a:fld id="{1D8BD707-D9CF-40AE-B4C6-C98DA3205C09}" type="datetimeFigureOut">
               <a:rPr lang="en-US" smtClean="0"/>
               <a:pPr/>
-              <a:t>8/1/2011</a:t>
+              <a:t>12/10/25</a:t>
             </a:fld>
             <a:endParaRPr lang="en-US"/>
           </a:p>
@@ -2062,10 +2062,9 @@
           </a:lstStyle>
           <a:p>
             <a:r>
-              <a:rPr lang="en-US" smtClean="0"/>
+              <a:rPr lang="en-US"/>
               <a:t>Click to edit Master title style</a:t>
             </a:r>
-            <a:endParaRPr lang="en-US"/>
           </a:p>
         </p:txBody>
       </p:sp>
@@ -2119,38 +2118,37 @@
           <a:p>
             <a:pPr lvl="0"/>
             <a:r>
-              <a:rPr lang="en-US" smtClean="0"/>
+              <a:rPr lang="en-US"/>
               <a:t>Click to edit Master text styles</a:t>
             </a:r>
           </a:p>
           <a:p>
             <a:pPr lvl="1"/>
             <a:r>
-              <a:rPr lang="en-US" smtClean="0"/>
+              <a:rPr lang="en-US"/>
               <a:t>Second level</a:t>
             </a:r>
           </a:p>
           <a:p>
             <a:pPr lvl="2"/>
             <a:r>
-              <a:rPr lang="en-US" smtClean="0"/>
+              <a:rPr lang="en-US"/>
               <a:t>Third level</a:t>
             </a:r>
           </a:p>
           <a:p>
             <a:pPr lvl="3"/>
             <a:r>
-              <a:rPr lang="en-US" smtClean="0"/>
+              <a:rPr lang="en-US"/>
               <a:t>Fourth level</a:t>
             </a:r>
           </a:p>
           <a:p>
             <a:pPr lvl="4"/>
             <a:r>
-              <a:rPr lang="en-US" smtClean="0"/>
+              <a:rPr lang="en-US"/>
               <a:t>Fifth level</a:t>
             </a:r>
-            <a:endParaRPr lang="en-US"/>
           </a:p>
         </p:txBody>
       </p:sp>
@@ -2213,7 +2211,7 @@
           <a:p>
             <a:pPr lvl="0"/>
             <a:r>
-              <a:rPr lang="en-US" smtClean="0"/>
+              <a:rPr lang="en-US"/>
               <a:t>Click to edit Master text styles</a:t>
             </a:r>
           </a:p>
@@ -2237,7 +2235,7 @@
             <a:fld id="{1D8BD707-D9CF-40AE-B4C6-C98DA3205C09}" type="datetimeFigureOut">
               <a:rPr lang="en-US" smtClean="0"/>
               <a:pPr/>
-              <a:t>8/1/2011</a:t>
+              <a:t>12/10/25</a:t>
             </a:fld>
             <a:endParaRPr lang="en-US"/>
           </a:p>
@@ -2336,10 +2334,9 @@
           </a:lstStyle>
           <a:p>
             <a:r>
-              <a:rPr lang="en-US" smtClean="0"/>
+              <a:rPr lang="en-US"/>
               <a:t>Click to edit Master title style</a:t>
             </a:r>
-            <a:endParaRPr lang="en-US"/>
           </a:p>
         </p:txBody>
       </p:sp>
@@ -2463,7 +2460,7 @@
           <a:p>
             <a:pPr lvl="0"/>
             <a:r>
-              <a:rPr lang="en-US" smtClean="0"/>
+              <a:rPr lang="en-US"/>
               <a:t>Click to edit Master text styles</a:t>
             </a:r>
           </a:p>
@@ -2487,7 +2484,7 @@
             <a:fld id="{1D8BD707-D9CF-40AE-B4C6-C98DA3205C09}" type="datetimeFigureOut">
               <a:rPr lang="en-US" smtClean="0"/>
               <a:pPr/>
-              <a:t>8/1/2011</a:t>
+              <a:t>12/10/25</a:t>
             </a:fld>
             <a:endParaRPr lang="en-US"/>
           </a:p>
@@ -2592,10 +2589,9 @@
           <a:lstStyle/>
           <a:p>
             <a:r>
-              <a:rPr lang="en-US" smtClean="0"/>
+              <a:rPr lang="en-US"/>
               <a:t>Click to edit Master title style</a:t>
             </a:r>
-            <a:endParaRPr lang="en-US"/>
           </a:p>
         </p:txBody>
       </p:sp>
@@ -2626,38 +2622,37 @@
           <a:p>
             <a:pPr lvl="0"/>
             <a:r>
-              <a:rPr lang="en-US" smtClean="0"/>
+              <a:rPr lang="en-US"/>
               <a:t>Click to edit Master text styles</a:t>
             </a:r>
           </a:p>
           <a:p>
             <a:pPr lvl="1"/>
             <a:r>
-              <a:rPr lang="en-US" smtClean="0"/>
+              <a:rPr lang="en-US"/>
               <a:t>Second level</a:t>
             </a:r>
           </a:p>
           <a:p>
             <a:pPr lvl="2"/>
             <a:r>
-              <a:rPr lang="en-US" smtClean="0"/>
+              <a:rPr lang="en-US"/>
               <a:t>Third level</a:t>
             </a:r>
           </a:p>
           <a:p>
             <a:pPr lvl="3"/>
             <a:r>
-              <a:rPr lang="en-US" smtClean="0"/>
+              <a:rPr lang="en-US"/>
               <a:t>Fourth level</a:t>
             </a:r>
           </a:p>
           <a:p>
             <a:pPr lvl="4"/>
             <a:r>
-              <a:rPr lang="en-US" smtClean="0"/>
+              <a:rPr lang="en-US"/>
               <a:t>Fifth level</a:t>
             </a:r>
-            <a:endParaRPr lang="en-US"/>
           </a:p>
         </p:txBody>
       </p:sp>
@@ -2697,7 +2692,7 @@
             <a:fld id="{1D8BD707-D9CF-40AE-B4C6-C98DA3205C09}" type="datetimeFigureOut">
               <a:rPr lang="en-US" smtClean="0"/>
               <a:pPr/>
-              <a:t>8/1/2011</a:t>
+              <a:t>12/10/25</a:t>
             </a:fld>
             <a:endParaRPr lang="en-US"/>
           </a:p>
@@ -3052,13 +3047,14 @@
 </file>
 
 <file path=ppt/slides/slide1.xml><?xml version="1.0" encoding="utf-8"?>
-<p:sld xmlns:p="http://schemas.openxmlformats.org/presentationml/2006/main" xmlns:a="http://schemas.openxmlformats.org/drawingml/2006/main" xmlns:r="http://schemas.openxmlformats.org/officeDocument/2006/relationships">
+<p:sld xmlns:a="http://schemas.openxmlformats.org/drawingml/2006/main" xmlns:r="http://schemas.openxmlformats.org/officeDocument/2006/relationships" xmlns:p="http://schemas.openxmlformats.org/presentationml/2006/main">
   <p:cSld>
     <p:bg>
       <p:bgPr>
         <a:solidFill>
           <a:srgbClr val="E6EBFF"/>
         </a:solidFill>
+        <a:effectLst/>
       </p:bgPr>
     </p:bg>
     <p:spTree>
@@ -3077,12 +3073,12 @@
       </p:grpSpPr>
       <p:sp>
         <p:nvSpPr>
-          <p:cNvPr name="Freeform 2" id="2"/>
+          <p:cNvPr id="2" name="Freeform 2"/>
           <p:cNvSpPr/>
           <p:nvPr/>
         </p:nvSpPr>
         <p:spPr>
-          <a:xfrm flipH="false" flipV="false" rot="0">
+          <a:xfrm>
             <a:off x="-3982828" y="6523077"/>
             <a:ext cx="12144022" cy="12033622"/>
           </a:xfrm>
@@ -3091,9 +3087,9 @@
             <a:gdLst/>
             <a:ahLst/>
             <a:cxnLst/>
-            <a:rect r="r" b="b" t="t" l="l"/>
+            <a:rect l="l" t="t" r="r" b="b"/>
             <a:pathLst>
-              <a:path h="12033622" w="12144022">
+              <a:path w="12144022" h="12033622">
                 <a:moveTo>
                   <a:pt x="0" y="0"/>
                 </a:moveTo>
@@ -3122,19 +3118,26 @@
               </a:extLst>
             </a:blip>
             <a:stretch>
-              <a:fillRect l="0" t="0" r="0" b="0"/>
+              <a:fillRect/>
             </a:stretch>
           </a:blipFill>
         </p:spPr>
-      </p:sp>
-      <p:sp>
-        <p:nvSpPr>
-          <p:cNvPr name="Freeform 3" id="3"/>
+        <p:txBody>
+          <a:bodyPr/>
+          <a:lstStyle/>
+          <a:p>
+            <a:endParaRPr lang="en-US"/>
+          </a:p>
+        </p:txBody>
+      </p:sp>
+      <p:sp>
+        <p:nvSpPr>
+          <p:cNvPr id="3" name="Freeform 3"/>
           <p:cNvSpPr/>
           <p:nvPr/>
         </p:nvSpPr>
         <p:spPr>
-          <a:xfrm flipH="false" flipV="false" rot="4705825">
+          <a:xfrm rot="4705825">
             <a:off x="13046539" y="-3617438"/>
             <a:ext cx="8684054" cy="9292276"/>
           </a:xfrm>
@@ -3143,9 +3146,9 @@
             <a:gdLst/>
             <a:ahLst/>
             <a:cxnLst/>
-            <a:rect r="r" b="b" t="t" l="l"/>
+            <a:rect l="l" t="t" r="r" b="b"/>
             <a:pathLst>
-              <a:path h="9292276" w="8684054">
+              <a:path w="8684054" h="9292276">
                 <a:moveTo>
                   <a:pt x="0" y="0"/>
                 </a:moveTo>
@@ -3174,19 +3177,26 @@
               </a:extLst>
             </a:blip>
             <a:stretch>
-              <a:fillRect l="0" t="0" r="0" b="0"/>
+              <a:fillRect/>
             </a:stretch>
           </a:blipFill>
         </p:spPr>
-      </p:sp>
-      <p:sp>
-        <p:nvSpPr>
-          <p:cNvPr name="Freeform 4" id="4"/>
+        <p:txBody>
+          <a:bodyPr/>
+          <a:lstStyle/>
+          <a:p>
+            <a:endParaRPr lang="en-US"/>
+          </a:p>
+        </p:txBody>
+      </p:sp>
+      <p:sp>
+        <p:nvSpPr>
+          <p:cNvPr id="4" name="Freeform 4"/>
           <p:cNvSpPr/>
           <p:nvPr/>
         </p:nvSpPr>
         <p:spPr>
-          <a:xfrm flipH="false" flipV="false" rot="3907709">
+          <a:xfrm rot="3907709">
             <a:off x="95027" y="-7874481"/>
             <a:ext cx="8684054" cy="9292276"/>
           </a:xfrm>
@@ -3195,9 +3205,9 @@
             <a:gdLst/>
             <a:ahLst/>
             <a:cxnLst/>
-            <a:rect r="r" b="b" t="t" l="l"/>
+            <a:rect l="l" t="t" r="r" b="b"/>
             <a:pathLst>
-              <a:path h="9292276" w="8684054">
+              <a:path w="8684054" h="9292276">
                 <a:moveTo>
                   <a:pt x="0" y="0"/>
                 </a:moveTo>
@@ -3226,19 +3236,26 @@
               </a:extLst>
             </a:blip>
             <a:stretch>
-              <a:fillRect l="0" t="0" r="0" b="0"/>
+              <a:fillRect/>
             </a:stretch>
           </a:blipFill>
         </p:spPr>
+        <p:txBody>
+          <a:bodyPr/>
+          <a:lstStyle/>
+          <a:p>
+            <a:endParaRPr lang="en-US"/>
+          </a:p>
+        </p:txBody>
       </p:sp>
       <p:grpSp>
         <p:nvGrpSpPr>
-          <p:cNvPr name="Group 5" id="5"/>
+          <p:cNvPr id="5" name="Group 5"/>
           <p:cNvGrpSpPr/>
           <p:nvPr/>
         </p:nvGrpSpPr>
         <p:grpSpPr>
-          <a:xfrm rot="0">
+          <a:xfrm>
             <a:off x="1152441" y="8598262"/>
             <a:ext cx="4903922" cy="838413"/>
             <a:chOff x="0" y="0"/>
@@ -3247,12 +3264,12 @@
         </p:grpSpPr>
         <p:sp>
           <p:nvSpPr>
-            <p:cNvPr name="Freeform 6" id="6"/>
+            <p:cNvPr id="6" name="Freeform 6"/>
             <p:cNvSpPr/>
             <p:nvPr/>
           </p:nvSpPr>
           <p:spPr>
-            <a:xfrm flipH="false" flipV="false" rot="0">
+            <a:xfrm>
               <a:off x="0" y="0"/>
               <a:ext cx="1399822" cy="239324"/>
             </a:xfrm>
@@ -3261,9 +3278,9 @@
               <a:gdLst/>
               <a:ahLst/>
               <a:cxnLst/>
-              <a:rect r="r" b="b" t="t" l="l"/>
+              <a:rect l="l" t="t" r="r" b="b"/>
               <a:pathLst>
-                <a:path h="239324" w="1399822">
+                <a:path w="1399822" h="239324">
                   <a:moveTo>
                     <a:pt x="48940" y="0"/>
                   </a:moveTo>
@@ -3312,11 +3329,18 @@
               <a:round/>
             </a:ln>
           </p:spPr>
+          <p:txBody>
+            <a:bodyPr/>
+            <a:lstStyle/>
+            <a:p>
+              <a:endParaRPr lang="en-US"/>
+            </a:p>
+          </p:txBody>
         </p:sp>
         <p:sp>
           <p:nvSpPr>
-            <p:cNvPr name="TextBox 7" id="7"/>
-            <p:cNvSpPr txBox="true"/>
+            <p:cNvPr id="7" name="TextBox 7"/>
+            <p:cNvSpPr txBox="1"/>
             <p:nvPr/>
           </p:nvSpPr>
           <p:spPr>
@@ -3329,7 +3353,7 @@
             </a:prstGeom>
           </p:spPr>
           <p:txBody>
-            <a:bodyPr anchor="ctr" rtlCol="false" tIns="50800" lIns="50800" bIns="50800" rIns="50800"/>
+            <a:bodyPr lIns="50800" tIns="50800" rIns="50800" bIns="50800" rtlCol="0" anchor="ctr"/>
             <a:lstStyle/>
             <a:p>
               <a:pPr algn="ctr">
@@ -3337,18 +3361,19 @@
                   <a:spcPts val="3359"/>
                 </a:lnSpc>
               </a:pPr>
+              <a:endParaRPr/>
             </a:p>
           </p:txBody>
         </p:sp>
       </p:grpSp>
       <p:sp>
         <p:nvSpPr>
-          <p:cNvPr name="Freeform 8" id="8"/>
+          <p:cNvPr id="8" name="Freeform 8"/>
           <p:cNvSpPr/>
           <p:nvPr/>
         </p:nvSpPr>
         <p:spPr>
-          <a:xfrm flipH="false" flipV="false" rot="0">
+          <a:xfrm>
             <a:off x="7137352" y="5309175"/>
             <a:ext cx="10121948" cy="4011972"/>
           </a:xfrm>
@@ -3357,9 +3382,9 @@
             <a:gdLst/>
             <a:ahLst/>
             <a:cxnLst/>
-            <a:rect r="r" b="b" t="t" l="l"/>
+            <a:rect l="l" t="t" r="r" b="b"/>
             <a:pathLst>
-              <a:path h="4011972" w="10121948">
+              <a:path w="10121948" h="4011972">
                 <a:moveTo>
                   <a:pt x="0" y="0"/>
                 </a:moveTo>
@@ -3388,28 +3413,35 @@
               </a:extLst>
             </a:blip>
             <a:stretch>
-              <a:fillRect l="0" t="0" r="0" b="0"/>
+              <a:fillRect/>
             </a:stretch>
           </a:blipFill>
         </p:spPr>
-      </p:sp>
-      <p:sp>
-        <p:nvSpPr>
-          <p:cNvPr name="TextBox 9" id="9"/>
-          <p:cNvSpPr txBox="true"/>
+        <p:txBody>
+          <a:bodyPr/>
+          <a:lstStyle/>
+          <a:p>
+            <a:endParaRPr lang="en-US"/>
+          </a:p>
+        </p:txBody>
+      </p:sp>
+      <p:sp>
+        <p:nvSpPr>
+          <p:cNvPr id="9" name="TextBox 9"/>
+          <p:cNvSpPr txBox="1"/>
           <p:nvPr/>
         </p:nvSpPr>
         <p:spPr>
-          <a:xfrm rot="0">
+          <a:xfrm>
             <a:off x="803923" y="2996026"/>
-            <a:ext cx="9545943" cy="923925"/>
+            <a:ext cx="8949677" cy="461665"/>
           </a:xfrm>
           <a:prstGeom prst="rect">
             <a:avLst/>
           </a:prstGeom>
         </p:spPr>
         <p:txBody>
-          <a:bodyPr anchor="t" rtlCol="false" tIns="0" lIns="0" bIns="0" rIns="0">
+          <a:bodyPr wrap="square" lIns="0" tIns="0" rIns="0" bIns="0" rtlCol="0" anchor="t">
             <a:spAutoFit/>
           </a:bodyPr>
           <a:lstStyle/>
@@ -3420,7 +3452,7 @@
               </a:lnSpc>
             </a:pPr>
             <a:r>
-              <a:rPr lang="en-US" sz="3000">
+              <a:rPr lang="en-US" sz="3000" dirty="0">
                 <a:solidFill>
                   <a:srgbClr val="000000"/>
                 </a:solidFill>
@@ -3429,19 +3461,19 @@
                 <a:cs typeface="Anton"/>
                 <a:sym typeface="Anton"/>
               </a:rPr>
-              <a:t>Can we accurately predict a car’s price from its features, and which features most strongly determine the selling price?</a:t>
-            </a:r>
-          </a:p>
-        </p:txBody>
-      </p:sp>
-      <p:sp>
-        <p:nvSpPr>
-          <p:cNvPr name="TextBox 10" id="10"/>
-          <p:cNvSpPr txBox="true"/>
+              <a:t>Can we accurately predict a car’s price from its features?</a:t>
+            </a:r>
+          </a:p>
+        </p:txBody>
+      </p:sp>
+      <p:sp>
+        <p:nvSpPr>
+          <p:cNvPr id="10" name="TextBox 10"/>
+          <p:cNvSpPr txBox="1"/>
           <p:nvPr/>
         </p:nvSpPr>
         <p:spPr>
-          <a:xfrm rot="0">
+          <a:xfrm>
             <a:off x="803923" y="1122020"/>
             <a:ext cx="12217303" cy="1543050"/>
           </a:xfrm>
@@ -3450,7 +3482,7 @@
           </a:prstGeom>
         </p:spPr>
         <p:txBody>
-          <a:bodyPr anchor="t" rtlCol="false" tIns="0" lIns="0" bIns="0" rIns="0">
+          <a:bodyPr lIns="0" tIns="0" rIns="0" bIns="0" rtlCol="0" anchor="t">
             <a:spAutoFit/>
           </a:bodyPr>
           <a:lstStyle/>
@@ -3480,12 +3512,12 @@
       </p:sp>
       <p:sp>
         <p:nvSpPr>
-          <p:cNvPr name="TextBox 11" id="11"/>
-          <p:cNvSpPr txBox="true"/>
+          <p:cNvPr id="11" name="TextBox 11"/>
+          <p:cNvSpPr txBox="1"/>
           <p:nvPr/>
         </p:nvSpPr>
         <p:spPr>
-          <a:xfrm rot="0">
+          <a:xfrm>
             <a:off x="2486536" y="8753864"/>
             <a:ext cx="4650816" cy="527209"/>
           </a:xfrm>
@@ -3494,7 +3526,7 @@
           </a:prstGeom>
         </p:spPr>
         <p:txBody>
-          <a:bodyPr anchor="t" rtlCol="false" tIns="0" lIns="0" bIns="0" rIns="0">
+          <a:bodyPr lIns="0" tIns="0" rIns="0" bIns="0" rtlCol="0" anchor="t">
             <a:spAutoFit/>
           </a:bodyPr>
           <a:lstStyle/>
@@ -3515,6 +3547,100 @@
                 <a:sym typeface="Anton"/>
               </a:rPr>
               <a:t>ANDREW GUO</a:t>
+            </a:r>
+          </a:p>
+        </p:txBody>
+      </p:sp>
+      <p:sp>
+        <p:nvSpPr>
+          <p:cNvPr id="12" name="TextBox 9">
+            <a:extLst>
+              <a:ext uri="{FF2B5EF4-FFF2-40B4-BE49-F238E27FC236}">
+                <a16:creationId xmlns:a16="http://schemas.microsoft.com/office/drawing/2014/main" id="{2269EF30-AC29-EDE0-A2A7-091445977D77}"/>
+              </a:ext>
+            </a:extLst>
+          </p:cNvPr>
+          <p:cNvSpPr txBox="1"/>
+          <p:nvPr/>
+        </p:nvSpPr>
+        <p:spPr>
+          <a:xfrm>
+            <a:off x="803922" y="3557813"/>
+            <a:ext cx="8949677" cy="461665"/>
+          </a:xfrm>
+          <a:prstGeom prst="rect">
+            <a:avLst/>
+          </a:prstGeom>
+        </p:spPr>
+        <p:txBody>
+          <a:bodyPr wrap="square" lIns="0" tIns="0" rIns="0" bIns="0" rtlCol="0" anchor="t">
+            <a:spAutoFit/>
+          </a:bodyPr>
+          <a:lstStyle/>
+          <a:p>
+            <a:pPr algn="l">
+              <a:lnSpc>
+                <a:spcPts val="3600"/>
+              </a:lnSpc>
+            </a:pPr>
+            <a:r>
+              <a:rPr lang="en-US" sz="3000" dirty="0">
+                <a:solidFill>
+                  <a:srgbClr val="000000"/>
+                </a:solidFill>
+                <a:latin typeface="Anton"/>
+                <a:ea typeface="Anton"/>
+                <a:cs typeface="Anton"/>
+                <a:sym typeface="Anton"/>
+              </a:rPr>
+              <a:t>What features of the car are most influential on its cost?</a:t>
+            </a:r>
+          </a:p>
+        </p:txBody>
+      </p:sp>
+      <p:sp>
+        <p:nvSpPr>
+          <p:cNvPr id="13" name="TextBox 9">
+            <a:extLst>
+              <a:ext uri="{FF2B5EF4-FFF2-40B4-BE49-F238E27FC236}">
+                <a16:creationId xmlns:a16="http://schemas.microsoft.com/office/drawing/2014/main" id="{ECB6712D-48DD-DCC2-F35C-E9768F09AB02}"/>
+              </a:ext>
+            </a:extLst>
+          </p:cNvPr>
+          <p:cNvSpPr txBox="1"/>
+          <p:nvPr/>
+        </p:nvSpPr>
+        <p:spPr>
+          <a:xfrm>
+            <a:off x="829322" y="4186321"/>
+            <a:ext cx="8949677" cy="461665"/>
+          </a:xfrm>
+          <a:prstGeom prst="rect">
+            <a:avLst/>
+          </a:prstGeom>
+        </p:spPr>
+        <p:txBody>
+          <a:bodyPr wrap="square" lIns="0" tIns="0" rIns="0" bIns="0" rtlCol="0" anchor="t">
+            <a:spAutoFit/>
+          </a:bodyPr>
+          <a:lstStyle/>
+          <a:p>
+            <a:pPr algn="l">
+              <a:lnSpc>
+                <a:spcPts val="3600"/>
+              </a:lnSpc>
+            </a:pPr>
+            <a:r>
+              <a:rPr lang="en-US" sz="3000" dirty="0">
+                <a:solidFill>
+                  <a:srgbClr val="000000"/>
+                </a:solidFill>
+                <a:latin typeface="Anton"/>
+                <a:ea typeface="Anton"/>
+                <a:cs typeface="Anton"/>
+                <a:sym typeface="Anton"/>
+              </a:rPr>
+              <a:t>Which model most effectively predicts the price?</a:t>
             </a:r>
           </a:p>
         </p:txBody>
@@ -3528,13 +3654,14 @@
 </file>
 
 <file path=ppt/slides/slide2.xml><?xml version="1.0" encoding="utf-8"?>
-<p:sld xmlns:p="http://schemas.openxmlformats.org/presentationml/2006/main" xmlns:a="http://schemas.openxmlformats.org/drawingml/2006/main" xmlns:r="http://schemas.openxmlformats.org/officeDocument/2006/relationships">
+<p:sld xmlns:a="http://schemas.openxmlformats.org/drawingml/2006/main" xmlns:r="http://schemas.openxmlformats.org/officeDocument/2006/relationships" xmlns:p="http://schemas.openxmlformats.org/presentationml/2006/main">
   <p:cSld>
     <p:bg>
       <p:bgPr>
         <a:solidFill>
           <a:srgbClr val="E6EBFF"/>
         </a:solidFill>
+        <a:effectLst/>
       </p:bgPr>
     </p:bg>
     <p:spTree>
@@ -3553,12 +3680,12 @@
       </p:grpSpPr>
       <p:sp>
         <p:nvSpPr>
-          <p:cNvPr name="Freeform 2" id="2"/>
+          <p:cNvPr id="2" name="Freeform 2"/>
           <p:cNvSpPr/>
           <p:nvPr/>
         </p:nvSpPr>
         <p:spPr>
-          <a:xfrm flipH="false" flipV="false" rot="-10800000">
+          <a:xfrm rot="-10800000">
             <a:off x="5584988" y="2818566"/>
             <a:ext cx="12548706" cy="7468434"/>
           </a:xfrm>
@@ -3567,9 +3694,9 @@
             <a:gdLst/>
             <a:ahLst/>
             <a:cxnLst/>
-            <a:rect r="r" b="b" t="t" l="l"/>
+            <a:rect l="l" t="t" r="r" b="b"/>
             <a:pathLst>
-              <a:path h="7468434" w="12548706">
+              <a:path w="12548706" h="7468434">
                 <a:moveTo>
                   <a:pt x="0" y="0"/>
                 </a:moveTo>
@@ -3598,19 +3725,26 @@
               </a:extLst>
             </a:blip>
             <a:stretch>
-              <a:fillRect l="0" t="0" r="0" b="0"/>
+              <a:fillRect/>
             </a:stretch>
           </a:blipFill>
         </p:spPr>
-      </p:sp>
-      <p:sp>
-        <p:nvSpPr>
-          <p:cNvPr name="Freeform 3" id="3"/>
+        <p:txBody>
+          <a:bodyPr/>
+          <a:lstStyle/>
+          <a:p>
+            <a:endParaRPr lang="en-US"/>
+          </a:p>
+        </p:txBody>
+      </p:sp>
+      <p:sp>
+        <p:nvSpPr>
+          <p:cNvPr id="3" name="Freeform 3"/>
           <p:cNvSpPr/>
           <p:nvPr/>
         </p:nvSpPr>
         <p:spPr>
-          <a:xfrm flipH="false" flipV="false" rot="-998986">
+          <a:xfrm rot="-998986">
             <a:off x="-878797" y="-1611270"/>
             <a:ext cx="12548706" cy="7468434"/>
           </a:xfrm>
@@ -3619,9 +3753,9 @@
             <a:gdLst/>
             <a:ahLst/>
             <a:cxnLst/>
-            <a:rect r="r" b="b" t="t" l="l"/>
+            <a:rect l="l" t="t" r="r" b="b"/>
             <a:pathLst>
-              <a:path h="7468434" w="12548706">
+              <a:path w="12548706" h="7468434">
                 <a:moveTo>
                   <a:pt x="0" y="0"/>
                 </a:moveTo>
@@ -3650,19 +3784,26 @@
               </a:extLst>
             </a:blip>
             <a:stretch>
-              <a:fillRect l="0" t="0" r="0" b="0"/>
+              <a:fillRect/>
             </a:stretch>
           </a:blipFill>
         </p:spPr>
-      </p:sp>
-      <p:sp>
-        <p:nvSpPr>
-          <p:cNvPr name="Freeform 4" id="4"/>
+        <p:txBody>
+          <a:bodyPr/>
+          <a:lstStyle/>
+          <a:p>
+            <a:endParaRPr lang="en-US"/>
+          </a:p>
+        </p:txBody>
+      </p:sp>
+      <p:sp>
+        <p:nvSpPr>
+          <p:cNvPr id="4" name="Freeform 4"/>
           <p:cNvSpPr/>
           <p:nvPr/>
         </p:nvSpPr>
         <p:spPr>
-          <a:xfrm flipH="false" flipV="false" rot="0">
+          <a:xfrm>
             <a:off x="3493371" y="7810698"/>
             <a:ext cx="11301259" cy="1935341"/>
           </a:xfrm>
@@ -3671,9 +3812,9 @@
             <a:gdLst/>
             <a:ahLst/>
             <a:cxnLst/>
-            <a:rect r="r" b="b" t="t" l="l"/>
+            <a:rect l="l" t="t" r="r" b="b"/>
             <a:pathLst>
-              <a:path h="1935341" w="11301259">
+              <a:path w="11301259" h="1935341">
                 <a:moveTo>
                   <a:pt x="0" y="0"/>
                 </a:moveTo>
@@ -3696,19 +3837,26 @@
           <a:blipFill>
             <a:blip r:embed="rId4"/>
             <a:stretch>
-              <a:fillRect l="0" t="0" r="0" b="0"/>
+              <a:fillRect/>
             </a:stretch>
           </a:blipFill>
         </p:spPr>
-      </p:sp>
-      <p:sp>
-        <p:nvSpPr>
-          <p:cNvPr name="TextBox 5" id="5"/>
-          <p:cNvSpPr txBox="true"/>
+        <p:txBody>
+          <a:bodyPr/>
+          <a:lstStyle/>
+          <a:p>
+            <a:endParaRPr lang="en-US"/>
+          </a:p>
+        </p:txBody>
+      </p:sp>
+      <p:sp>
+        <p:nvSpPr>
+          <p:cNvPr id="5" name="TextBox 5"/>
+          <p:cNvSpPr txBox="1"/>
           <p:nvPr/>
         </p:nvSpPr>
         <p:spPr>
-          <a:xfrm rot="0">
+          <a:xfrm>
             <a:off x="7197268" y="303744"/>
             <a:ext cx="3893463" cy="1543050"/>
           </a:xfrm>
@@ -3717,7 +3865,7 @@
           </a:prstGeom>
         </p:spPr>
         <p:txBody>
-          <a:bodyPr anchor="t" rtlCol="false" tIns="0" lIns="0" bIns="0" rIns="0">
+          <a:bodyPr lIns="0" tIns="0" rIns="0" bIns="0" rtlCol="0" anchor="t">
             <a:spAutoFit/>
           </a:bodyPr>
           <a:lstStyle/>
@@ -3747,12 +3895,12 @@
       </p:sp>
       <p:sp>
         <p:nvSpPr>
-          <p:cNvPr name="TextBox 6" id="6"/>
-          <p:cNvSpPr txBox="true"/>
+          <p:cNvPr id="6" name="TextBox 6"/>
+          <p:cNvSpPr txBox="1"/>
           <p:nvPr/>
         </p:nvSpPr>
         <p:spPr>
-          <a:xfrm rot="0">
+          <a:xfrm>
             <a:off x="1028700" y="2008941"/>
             <a:ext cx="2892247" cy="1038225"/>
           </a:xfrm>
@@ -3761,7 +3909,7 @@
           </a:prstGeom>
         </p:spPr>
         <p:txBody>
-          <a:bodyPr anchor="t" rtlCol="false" tIns="0" lIns="0" bIns="0" rIns="0">
+          <a:bodyPr lIns="0" tIns="0" rIns="0" bIns="0" rtlCol="0" anchor="t">
             <a:spAutoFit/>
           </a:bodyPr>
           <a:lstStyle/>
@@ -3791,12 +3939,12 @@
       </p:sp>
       <p:sp>
         <p:nvSpPr>
-          <p:cNvPr name="TextBox 7" id="7"/>
-          <p:cNvSpPr txBox="true"/>
+          <p:cNvPr id="7" name="TextBox 7"/>
+          <p:cNvSpPr txBox="1"/>
           <p:nvPr/>
         </p:nvSpPr>
         <p:spPr>
-          <a:xfrm rot="0">
+          <a:xfrm>
             <a:off x="0" y="3545662"/>
             <a:ext cx="5224205" cy="3724275"/>
           </a:xfrm>
@@ -3805,7 +3953,7 @@
           </a:prstGeom>
         </p:spPr>
         <p:txBody>
-          <a:bodyPr anchor="t" rtlCol="false" tIns="0" lIns="0" bIns="0" rIns="0">
+          <a:bodyPr lIns="0" tIns="0" rIns="0" bIns="0" rtlCol="0" anchor="t">
             <a:spAutoFit/>
           </a:bodyPr>
           <a:lstStyle/>
@@ -3834,6 +3982,15 @@
                 <a:spcPts val="4200"/>
               </a:lnSpc>
             </a:pPr>
+            <a:endParaRPr lang="en-US" sz="3000">
+              <a:solidFill>
+                <a:srgbClr val="000000"/>
+              </a:solidFill>
+              <a:latin typeface="Anton"/>
+              <a:ea typeface="Anton"/>
+              <a:cs typeface="Anton"/>
+              <a:sym typeface="Anton"/>
+            </a:endParaRPr>
           </a:p>
           <a:p>
             <a:pPr algn="ctr">
@@ -3860,6 +4017,15 @@
                 <a:spcPts val="4200"/>
               </a:lnSpc>
             </a:pPr>
+            <a:endParaRPr lang="en-US" sz="3000">
+              <a:solidFill>
+                <a:srgbClr val="000000"/>
+              </a:solidFill>
+              <a:latin typeface="Anton"/>
+              <a:ea typeface="Anton"/>
+              <a:cs typeface="Anton"/>
+              <a:sym typeface="Anton"/>
+            </a:endParaRPr>
           </a:p>
           <a:p>
             <a:pPr algn="ctr">
@@ -3887,12 +4053,12 @@
       </p:sp>
       <p:sp>
         <p:nvSpPr>
-          <p:cNvPr name="TextBox 8" id="8"/>
-          <p:cNvSpPr txBox="true"/>
+          <p:cNvPr id="8" name="TextBox 8"/>
+          <p:cNvSpPr txBox="1"/>
           <p:nvPr/>
         </p:nvSpPr>
         <p:spPr>
-          <a:xfrm rot="0">
+          <a:xfrm>
             <a:off x="7787816" y="1999122"/>
             <a:ext cx="2712368" cy="1038225"/>
           </a:xfrm>
@@ -3901,7 +4067,7 @@
           </a:prstGeom>
         </p:spPr>
         <p:txBody>
-          <a:bodyPr anchor="t" rtlCol="false" tIns="0" lIns="0" bIns="0" rIns="0">
+          <a:bodyPr lIns="0" tIns="0" rIns="0" bIns="0" rtlCol="0" anchor="t">
             <a:spAutoFit/>
           </a:bodyPr>
           <a:lstStyle/>
@@ -3931,12 +4097,12 @@
       </p:sp>
       <p:sp>
         <p:nvSpPr>
-          <p:cNvPr name="TextBox 9" id="9"/>
-          <p:cNvSpPr txBox="true"/>
+          <p:cNvPr id="9" name="TextBox 9"/>
+          <p:cNvSpPr txBox="1"/>
           <p:nvPr/>
         </p:nvSpPr>
         <p:spPr>
-          <a:xfrm rot="0">
+          <a:xfrm>
             <a:off x="12816149" y="1999122"/>
             <a:ext cx="4443151" cy="1038225"/>
           </a:xfrm>
@@ -3945,7 +4111,7 @@
           </a:prstGeom>
         </p:spPr>
         <p:txBody>
-          <a:bodyPr anchor="t" rtlCol="false" tIns="0" lIns="0" bIns="0" rIns="0">
+          <a:bodyPr lIns="0" tIns="0" rIns="0" bIns="0" rtlCol="0" anchor="t">
             <a:spAutoFit/>
           </a:bodyPr>
           <a:lstStyle/>
@@ -3975,12 +4141,12 @@
       </p:sp>
       <p:sp>
         <p:nvSpPr>
-          <p:cNvPr name="TextBox 10" id="10"/>
-          <p:cNvSpPr txBox="true"/>
+          <p:cNvPr id="10" name="TextBox 10"/>
+          <p:cNvSpPr txBox="1"/>
           <p:nvPr/>
         </p:nvSpPr>
         <p:spPr>
-          <a:xfrm rot="0">
+          <a:xfrm>
             <a:off x="6531898" y="3323808"/>
             <a:ext cx="5224205" cy="5324475"/>
           </a:xfrm>
@@ -3989,7 +4155,7 @@
           </a:prstGeom>
         </p:spPr>
         <p:txBody>
-          <a:bodyPr anchor="t" rtlCol="false" tIns="0" lIns="0" bIns="0" rIns="0">
+          <a:bodyPr lIns="0" tIns="0" rIns="0" bIns="0" rtlCol="0" anchor="t">
             <a:spAutoFit/>
           </a:bodyPr>
           <a:lstStyle/>
@@ -4018,6 +4184,15 @@
                 <a:spcPts val="4200"/>
               </a:lnSpc>
             </a:pPr>
+            <a:endParaRPr lang="en-US" sz="3000">
+              <a:solidFill>
+                <a:srgbClr val="000000"/>
+              </a:solidFill>
+              <a:latin typeface="Anton"/>
+              <a:ea typeface="Anton"/>
+              <a:cs typeface="Anton"/>
+              <a:sym typeface="Anton"/>
+            </a:endParaRPr>
           </a:p>
           <a:p>
             <a:pPr algn="ctr">
@@ -4044,6 +4219,15 @@
                 <a:spcPts val="4200"/>
               </a:lnSpc>
             </a:pPr>
+            <a:endParaRPr lang="en-US" sz="3000">
+              <a:solidFill>
+                <a:srgbClr val="000000"/>
+              </a:solidFill>
+              <a:latin typeface="Anton"/>
+              <a:ea typeface="Anton"/>
+              <a:cs typeface="Anton"/>
+              <a:sym typeface="Anton"/>
+            </a:endParaRPr>
           </a:p>
           <a:p>
             <a:pPr algn="ctr">
@@ -4070,6 +4254,15 @@
                 <a:spcPts val="4200"/>
               </a:lnSpc>
             </a:pPr>
+            <a:endParaRPr lang="en-US" sz="3000">
+              <a:solidFill>
+                <a:srgbClr val="000000"/>
+              </a:solidFill>
+              <a:latin typeface="Anton"/>
+              <a:ea typeface="Anton"/>
+              <a:cs typeface="Anton"/>
+              <a:sym typeface="Anton"/>
+            </a:endParaRPr>
           </a:p>
           <a:p>
             <a:pPr algn="ctr">
@@ -4077,17 +4270,26 @@
                 <a:spcPts val="4200"/>
               </a:lnSpc>
             </a:pPr>
-          </a:p>
-        </p:txBody>
-      </p:sp>
-      <p:sp>
-        <p:nvSpPr>
-          <p:cNvPr name="TextBox 11" id="11"/>
-          <p:cNvSpPr txBox="true"/>
+            <a:endParaRPr lang="en-US" sz="3000">
+              <a:solidFill>
+                <a:srgbClr val="000000"/>
+              </a:solidFill>
+              <a:latin typeface="Anton"/>
+              <a:ea typeface="Anton"/>
+              <a:cs typeface="Anton"/>
+              <a:sym typeface="Anton"/>
+            </a:endParaRPr>
+          </a:p>
+        </p:txBody>
+      </p:sp>
+      <p:sp>
+        <p:nvSpPr>
+          <p:cNvPr id="11" name="TextBox 11"/>
+          <p:cNvSpPr txBox="1"/>
           <p:nvPr/>
         </p:nvSpPr>
         <p:spPr>
-          <a:xfrm rot="0">
+          <a:xfrm>
             <a:off x="12425622" y="3323808"/>
             <a:ext cx="5224205" cy="3724275"/>
           </a:xfrm>
@@ -4096,7 +4298,7 @@
           </a:prstGeom>
         </p:spPr>
         <p:txBody>
-          <a:bodyPr anchor="t" rtlCol="false" tIns="0" lIns="0" bIns="0" rIns="0">
+          <a:bodyPr lIns="0" tIns="0" rIns="0" bIns="0" rtlCol="0" anchor="t">
             <a:spAutoFit/>
           </a:bodyPr>
           <a:lstStyle/>
@@ -4125,6 +4327,15 @@
                 <a:spcPts val="4200"/>
               </a:lnSpc>
             </a:pPr>
+            <a:endParaRPr lang="en-US" sz="3000">
+              <a:solidFill>
+                <a:srgbClr val="000000"/>
+              </a:solidFill>
+              <a:latin typeface="Anton"/>
+              <a:ea typeface="Anton"/>
+              <a:cs typeface="Anton"/>
+              <a:sym typeface="Anton"/>
+            </a:endParaRPr>
           </a:p>
           <a:p>
             <a:pPr algn="ctr">
@@ -4151,6 +4362,15 @@
                 <a:spcPts val="4200"/>
               </a:lnSpc>
             </a:pPr>
+            <a:endParaRPr lang="en-US" sz="3000">
+              <a:solidFill>
+                <a:srgbClr val="000000"/>
+              </a:solidFill>
+              <a:latin typeface="Anton"/>
+              <a:ea typeface="Anton"/>
+              <a:cs typeface="Anton"/>
+              <a:sym typeface="Anton"/>
+            </a:endParaRPr>
           </a:p>
           <a:p>
             <a:pPr algn="ctr">
@@ -4178,12 +4398,12 @@
       </p:sp>
       <p:sp>
         <p:nvSpPr>
-          <p:cNvPr name="TextBox 12" id="12"/>
-          <p:cNvSpPr txBox="true"/>
+          <p:cNvPr id="12" name="TextBox 12"/>
+          <p:cNvSpPr txBox="1"/>
           <p:nvPr/>
         </p:nvSpPr>
         <p:spPr>
-          <a:xfrm rot="0">
+          <a:xfrm>
             <a:off x="6351506" y="9984164"/>
             <a:ext cx="5584988" cy="266700"/>
           </a:xfrm>
@@ -4192,7 +4412,7 @@
           </a:prstGeom>
         </p:spPr>
         <p:txBody>
-          <a:bodyPr anchor="t" rtlCol="false" tIns="0" lIns="0" bIns="0" rIns="0">
+          <a:bodyPr lIns="0" tIns="0" rIns="0" bIns="0" rtlCol="0" anchor="t">
             <a:spAutoFit/>
           </a:bodyPr>
           <a:lstStyle/>
@@ -4229,13 +4449,14 @@
 </file>
 
 <file path=ppt/slides/slide3.xml><?xml version="1.0" encoding="utf-8"?>
-<p:sld xmlns:p="http://schemas.openxmlformats.org/presentationml/2006/main" xmlns:a="http://schemas.openxmlformats.org/drawingml/2006/main" xmlns:r="http://schemas.openxmlformats.org/officeDocument/2006/relationships">
+<p:sld xmlns:a="http://schemas.openxmlformats.org/drawingml/2006/main" xmlns:r="http://schemas.openxmlformats.org/officeDocument/2006/relationships" xmlns:p="http://schemas.openxmlformats.org/presentationml/2006/main">
   <p:cSld>
     <p:bg>
       <p:bgPr>
         <a:solidFill>
           <a:srgbClr val="E6EBFF"/>
         </a:solidFill>
+        <a:effectLst/>
       </p:bgPr>
     </p:bg>
     <p:spTree>
@@ -4254,12 +4475,12 @@
       </p:grpSpPr>
       <p:sp>
         <p:nvSpPr>
-          <p:cNvPr name="Freeform 2" id="2"/>
+          <p:cNvPr id="2" name="Freeform 2"/>
           <p:cNvSpPr/>
           <p:nvPr/>
         </p:nvSpPr>
         <p:spPr>
-          <a:xfrm flipH="false" flipV="false" rot="0">
+          <a:xfrm>
             <a:off x="10037982" y="-1956128"/>
             <a:ext cx="7546008" cy="6050526"/>
           </a:xfrm>
@@ -4268,9 +4489,9 @@
             <a:gdLst/>
             <a:ahLst/>
             <a:cxnLst/>
-            <a:rect r="r" b="b" t="t" l="l"/>
+            <a:rect l="l" t="t" r="r" b="b"/>
             <a:pathLst>
-              <a:path h="6050526" w="7546008">
+              <a:path w="7546008" h="6050526">
                 <a:moveTo>
                   <a:pt x="0" y="0"/>
                 </a:moveTo>
@@ -4299,19 +4520,26 @@
               </a:extLst>
             </a:blip>
             <a:stretch>
-              <a:fillRect l="0" t="0" r="0" b="0"/>
+              <a:fillRect/>
             </a:stretch>
           </a:blipFill>
         </p:spPr>
-      </p:sp>
-      <p:sp>
-        <p:nvSpPr>
-          <p:cNvPr name="Freeform 3" id="3"/>
+        <p:txBody>
+          <a:bodyPr/>
+          <a:lstStyle/>
+          <a:p>
+            <a:endParaRPr lang="en-US"/>
+          </a:p>
+        </p:txBody>
+      </p:sp>
+      <p:sp>
+        <p:nvSpPr>
+          <p:cNvPr id="3" name="Freeform 3"/>
           <p:cNvSpPr/>
           <p:nvPr/>
         </p:nvSpPr>
         <p:spPr>
-          <a:xfrm flipH="false" flipV="false" rot="0">
+          <a:xfrm>
             <a:off x="-5755343" y="2318136"/>
             <a:ext cx="12882287" cy="10329252"/>
           </a:xfrm>
@@ -4320,9 +4548,9 @@
             <a:gdLst/>
             <a:ahLst/>
             <a:cxnLst/>
-            <a:rect r="r" b="b" t="t" l="l"/>
+            <a:rect l="l" t="t" r="r" b="b"/>
             <a:pathLst>
-              <a:path h="10329252" w="12882287">
+              <a:path w="12882287" h="10329252">
                 <a:moveTo>
                   <a:pt x="0" y="0"/>
                 </a:moveTo>
@@ -4351,19 +4579,26 @@
               </a:extLst>
             </a:blip>
             <a:stretch>
-              <a:fillRect l="0" t="0" r="0" b="0"/>
+              <a:fillRect/>
             </a:stretch>
           </a:blipFill>
         </p:spPr>
-      </p:sp>
-      <p:sp>
-        <p:nvSpPr>
-          <p:cNvPr name="Freeform 4" id="4"/>
+        <p:txBody>
+          <a:bodyPr/>
+          <a:lstStyle/>
+          <a:p>
+            <a:endParaRPr lang="en-US"/>
+          </a:p>
+        </p:txBody>
+      </p:sp>
+      <p:sp>
+        <p:nvSpPr>
+          <p:cNvPr id="4" name="Freeform 4"/>
           <p:cNvSpPr/>
           <p:nvPr/>
         </p:nvSpPr>
         <p:spPr>
-          <a:xfrm flipH="false" flipV="false" rot="0">
+          <a:xfrm>
             <a:off x="2047080" y="5604442"/>
             <a:ext cx="6102834" cy="4446987"/>
           </a:xfrm>
@@ -4372,9 +4607,9 @@
             <a:gdLst/>
             <a:ahLst/>
             <a:cxnLst/>
-            <a:rect r="r" b="b" t="t" l="l"/>
+            <a:rect l="l" t="t" r="r" b="b"/>
             <a:pathLst>
-              <a:path h="4446987" w="6102834">
+              <a:path w="6102834" h="4446987">
                 <a:moveTo>
                   <a:pt x="0" y="0"/>
                 </a:moveTo>
@@ -4397,19 +4632,26 @@
           <a:blipFill>
             <a:blip r:embed="rId4"/>
             <a:stretch>
-              <a:fillRect l="-709" t="-1350" r="0" b="-1442"/>
+              <a:fillRect l="-709" t="-1350" b="-1442"/>
             </a:stretch>
           </a:blipFill>
         </p:spPr>
-      </p:sp>
-      <p:sp>
-        <p:nvSpPr>
-          <p:cNvPr name="Freeform 5" id="5"/>
+        <p:txBody>
+          <a:bodyPr/>
+          <a:lstStyle/>
+          <a:p>
+            <a:endParaRPr lang="en-US"/>
+          </a:p>
+        </p:txBody>
+      </p:sp>
+      <p:sp>
+        <p:nvSpPr>
+          <p:cNvPr id="5" name="Freeform 5"/>
           <p:cNvSpPr/>
           <p:nvPr/>
         </p:nvSpPr>
         <p:spPr>
-          <a:xfrm flipH="false" flipV="false" rot="0">
+          <a:xfrm>
             <a:off x="10108609" y="5604442"/>
             <a:ext cx="5959112" cy="4446987"/>
           </a:xfrm>
@@ -4418,9 +4660,9 @@
             <a:gdLst/>
             <a:ahLst/>
             <a:cxnLst/>
-            <a:rect r="r" b="b" t="t" l="l"/>
+            <a:rect l="l" t="t" r="r" b="b"/>
             <a:pathLst>
-              <a:path h="4446987" w="5959112">
+              <a:path w="5959112" h="4446987">
                 <a:moveTo>
                   <a:pt x="0" y="0"/>
                 </a:moveTo>
@@ -4443,19 +4685,26 @@
           <a:blipFill>
             <a:blip r:embed="rId5"/>
             <a:stretch>
-              <a:fillRect l="0" t="0" r="0" b="0"/>
+              <a:fillRect/>
             </a:stretch>
           </a:blipFill>
         </p:spPr>
-      </p:sp>
-      <p:sp>
-        <p:nvSpPr>
-          <p:cNvPr name="TextBox 6" id="6"/>
-          <p:cNvSpPr txBox="true"/>
+        <p:txBody>
+          <a:bodyPr/>
+          <a:lstStyle/>
+          <a:p>
+            <a:endParaRPr lang="en-US"/>
+          </a:p>
+        </p:txBody>
+      </p:sp>
+      <p:sp>
+        <p:nvSpPr>
+          <p:cNvPr id="6" name="TextBox 6"/>
+          <p:cNvSpPr txBox="1"/>
           <p:nvPr/>
         </p:nvSpPr>
         <p:spPr>
-          <a:xfrm rot="0">
+          <a:xfrm>
             <a:off x="7129066" y="37216"/>
             <a:ext cx="4029868" cy="1782943"/>
           </a:xfrm>
@@ -4464,12 +4713,12 @@
           </a:prstGeom>
         </p:spPr>
         <p:txBody>
-          <a:bodyPr anchor="t" rtlCol="false" tIns="0" lIns="0" bIns="0" rIns="0">
+          <a:bodyPr lIns="0" tIns="0" rIns="0" bIns="0" rtlCol="0" anchor="t">
             <a:spAutoFit/>
           </a:bodyPr>
           <a:lstStyle/>
           <a:p>
-            <a:pPr algn="l" marL="0" indent="0" lvl="0">
+            <a:pPr marL="0" lvl="0" indent="0" algn="l">
               <a:lnSpc>
                 <a:spcPts val="14602"/>
               </a:lnSpc>
@@ -4494,12 +4743,12 @@
       </p:sp>
       <p:sp>
         <p:nvSpPr>
-          <p:cNvPr name="TextBox 7" id="7"/>
-          <p:cNvSpPr txBox="true"/>
+          <p:cNvPr id="7" name="TextBox 7"/>
+          <p:cNvSpPr txBox="1"/>
           <p:nvPr/>
         </p:nvSpPr>
         <p:spPr>
-          <a:xfrm rot="0">
+          <a:xfrm>
             <a:off x="2049548" y="1794261"/>
             <a:ext cx="6100366" cy="3724275"/>
           </a:xfrm>
@@ -4508,7 +4757,7 @@
           </a:prstGeom>
         </p:spPr>
         <p:txBody>
-          <a:bodyPr anchor="t" rtlCol="false" tIns="0" lIns="0" bIns="0" rIns="0">
+          <a:bodyPr lIns="0" tIns="0" rIns="0" bIns="0" rtlCol="0" anchor="t">
             <a:spAutoFit/>
           </a:bodyPr>
           <a:lstStyle/>
@@ -4575,6 +4824,15 @@
                 <a:spcPts val="4200"/>
               </a:lnSpc>
             </a:pPr>
+            <a:endParaRPr lang="en-US" sz="3000">
+              <a:solidFill>
+                <a:srgbClr val="000000"/>
+              </a:solidFill>
+              <a:latin typeface="Anton"/>
+              <a:ea typeface="Anton"/>
+              <a:cs typeface="Anton"/>
+              <a:sym typeface="Anton"/>
+            </a:endParaRPr>
           </a:p>
           <a:p>
             <a:pPr algn="ctr">
@@ -4621,12 +4879,12 @@
       </p:sp>
       <p:sp>
         <p:nvSpPr>
-          <p:cNvPr name="TextBox 8" id="8"/>
-          <p:cNvSpPr txBox="true"/>
+          <p:cNvPr id="8" name="TextBox 8"/>
+          <p:cNvSpPr txBox="1"/>
           <p:nvPr/>
         </p:nvSpPr>
         <p:spPr>
-          <a:xfrm rot="0">
+          <a:xfrm>
             <a:off x="10037982" y="1794261"/>
             <a:ext cx="6100366" cy="3190875"/>
           </a:xfrm>
@@ -4635,7 +4893,7 @@
           </a:prstGeom>
         </p:spPr>
         <p:txBody>
-          <a:bodyPr anchor="t" rtlCol="false" tIns="0" lIns="0" bIns="0" rIns="0">
+          <a:bodyPr lIns="0" tIns="0" rIns="0" bIns="0" rtlCol="0" anchor="t">
             <a:spAutoFit/>
           </a:bodyPr>
           <a:lstStyle/>
@@ -4767,13 +5025,14 @@
 </file>
 
 <file path=ppt/slides/slide4.xml><?xml version="1.0" encoding="utf-8"?>
-<p:sld xmlns:p="http://schemas.openxmlformats.org/presentationml/2006/main" xmlns:a="http://schemas.openxmlformats.org/drawingml/2006/main" xmlns:r="http://schemas.openxmlformats.org/officeDocument/2006/relationships">
+<p:sld xmlns:a="http://schemas.openxmlformats.org/drawingml/2006/main" xmlns:r="http://schemas.openxmlformats.org/officeDocument/2006/relationships" xmlns:p="http://schemas.openxmlformats.org/presentationml/2006/main">
   <p:cSld>
     <p:bg>
       <p:bgPr>
         <a:solidFill>
           <a:srgbClr val="E6EBFF"/>
         </a:solidFill>
+        <a:effectLst/>
       </p:bgPr>
     </p:bg>
     <p:spTree>
@@ -4792,12 +5051,12 @@
       </p:grpSpPr>
       <p:sp>
         <p:nvSpPr>
-          <p:cNvPr name="Freeform 2" id="2"/>
+          <p:cNvPr id="2" name="Freeform 2"/>
           <p:cNvSpPr/>
           <p:nvPr/>
         </p:nvSpPr>
         <p:spPr>
-          <a:xfrm flipH="false" flipV="false" rot="0">
+          <a:xfrm>
             <a:off x="2702856" y="0"/>
             <a:ext cx="15585144" cy="12496451"/>
           </a:xfrm>
@@ -4806,9 +5065,9 @@
             <a:gdLst/>
             <a:ahLst/>
             <a:cxnLst/>
-            <a:rect r="r" b="b" t="t" l="l"/>
+            <a:rect l="l" t="t" r="r" b="b"/>
             <a:pathLst>
-              <a:path h="12496451" w="15585144">
+              <a:path w="15585144" h="12496451">
                 <a:moveTo>
                   <a:pt x="0" y="0"/>
                 </a:moveTo>
@@ -4837,19 +5096,26 @@
               </a:extLst>
             </a:blip>
             <a:stretch>
-              <a:fillRect l="0" t="0" r="0" b="0"/>
+              <a:fillRect/>
             </a:stretch>
           </a:blipFill>
         </p:spPr>
-      </p:sp>
-      <p:sp>
-        <p:nvSpPr>
-          <p:cNvPr name="Freeform 3" id="3"/>
+        <p:txBody>
+          <a:bodyPr/>
+          <a:lstStyle/>
+          <a:p>
+            <a:endParaRPr lang="en-US"/>
+          </a:p>
+        </p:txBody>
+      </p:sp>
+      <p:sp>
+        <p:nvSpPr>
+          <p:cNvPr id="3" name="Freeform 3"/>
           <p:cNvSpPr/>
           <p:nvPr/>
         </p:nvSpPr>
         <p:spPr>
-          <a:xfrm flipH="false" flipV="false" rot="0">
+          <a:xfrm>
             <a:off x="14226538" y="-4654377"/>
             <a:ext cx="12882287" cy="10329252"/>
           </a:xfrm>
@@ -4858,9 +5124,9 @@
             <a:gdLst/>
             <a:ahLst/>
             <a:cxnLst/>
-            <a:rect r="r" b="b" t="t" l="l"/>
+            <a:rect l="l" t="t" r="r" b="b"/>
             <a:pathLst>
-              <a:path h="10329252" w="12882287">
+              <a:path w="12882287" h="10329252">
                 <a:moveTo>
                   <a:pt x="0" y="0"/>
                 </a:moveTo>
@@ -4889,19 +5155,26 @@
               </a:extLst>
             </a:blip>
             <a:stretch>
-              <a:fillRect l="0" t="0" r="0" b="0"/>
+              <a:fillRect/>
             </a:stretch>
           </a:blipFill>
         </p:spPr>
-      </p:sp>
-      <p:sp>
-        <p:nvSpPr>
-          <p:cNvPr name="TextBox 4" id="4"/>
-          <p:cNvSpPr txBox="true"/>
+        <p:txBody>
+          <a:bodyPr/>
+          <a:lstStyle/>
+          <a:p>
+            <a:endParaRPr lang="en-US"/>
+          </a:p>
+        </p:txBody>
+      </p:sp>
+      <p:sp>
+        <p:nvSpPr>
+          <p:cNvPr id="4" name="TextBox 4"/>
+          <p:cNvSpPr txBox="1"/>
           <p:nvPr/>
         </p:nvSpPr>
         <p:spPr>
-          <a:xfrm rot="0">
+          <a:xfrm>
             <a:off x="1028700" y="2026492"/>
             <a:ext cx="16230600" cy="7991475"/>
           </a:xfrm>
@@ -4910,7 +5183,7 @@
           </a:prstGeom>
         </p:spPr>
         <p:txBody>
-          <a:bodyPr anchor="t" rtlCol="false" tIns="0" lIns="0" bIns="0" rIns="0">
+          <a:bodyPr lIns="0" tIns="0" rIns="0" bIns="0" rtlCol="0" anchor="t">
             <a:spAutoFit/>
           </a:bodyPr>
           <a:lstStyle/>
@@ -4921,7 +5194,7 @@
               </a:lnSpc>
             </a:pPr>
             <a:r>
-              <a:rPr lang="en-US" sz="3000">
+              <a:rPr lang="en-US" sz="3000" dirty="0">
                 <a:solidFill>
                   <a:srgbClr val="000000"/>
                 </a:solidFill>
@@ -4934,7 +5207,7 @@
             </a:r>
           </a:p>
           <a:p>
-            <a:pPr algn="l" marL="647700" indent="-323850" lvl="1">
+            <a:pPr marL="647700" lvl="1" indent="-323850" algn="l">
               <a:lnSpc>
                 <a:spcPts val="4200"/>
               </a:lnSpc>
@@ -4942,7 +5215,7 @@
               <a:buChar char="•"/>
             </a:pPr>
             <a:r>
-              <a:rPr lang="en-US" sz="3000">
+              <a:rPr lang="en-US" sz="3000" dirty="0">
                 <a:solidFill>
                   <a:srgbClr val="000000"/>
                 </a:solidFill>
@@ -4955,7 +5228,7 @@
             </a:r>
           </a:p>
           <a:p>
-            <a:pPr algn="l" marL="647700" indent="-323850" lvl="1">
+            <a:pPr marL="647700" lvl="1" indent="-323850" algn="l">
               <a:lnSpc>
                 <a:spcPts val="4200"/>
               </a:lnSpc>
@@ -4963,7 +5236,7 @@
               <a:buChar char="•"/>
             </a:pPr>
             <a:r>
-              <a:rPr lang="en-US" sz="3000">
+              <a:rPr lang="en-US" sz="3000" dirty="0">
                 <a:solidFill>
                   <a:srgbClr val="000000"/>
                 </a:solidFill>
@@ -4981,6 +5254,15 @@
                 <a:spcPts val="4200"/>
               </a:lnSpc>
             </a:pPr>
+            <a:endParaRPr lang="en-US" sz="3000" dirty="0">
+              <a:solidFill>
+                <a:srgbClr val="000000"/>
+              </a:solidFill>
+              <a:latin typeface="Anton"/>
+              <a:ea typeface="Anton"/>
+              <a:cs typeface="Anton"/>
+              <a:sym typeface="Anton"/>
+            </a:endParaRPr>
           </a:p>
           <a:p>
             <a:pPr algn="l">
@@ -4989,7 +5271,7 @@
               </a:lnSpc>
             </a:pPr>
             <a:r>
-              <a:rPr lang="en-US" sz="3000">
+              <a:rPr lang="en-US" sz="3000" dirty="0">
                 <a:solidFill>
                   <a:srgbClr val="000000"/>
                 </a:solidFill>
@@ -5002,7 +5284,7 @@
             </a:r>
           </a:p>
           <a:p>
-            <a:pPr algn="l" marL="647700" indent="-323850" lvl="1">
+            <a:pPr marL="647700" lvl="1" indent="-323850" algn="l">
               <a:lnSpc>
                 <a:spcPts val="4200"/>
               </a:lnSpc>
@@ -5010,7 +5292,7 @@
               <a:buChar char="•"/>
             </a:pPr>
             <a:r>
-              <a:rPr lang="en-US" sz="3000">
+              <a:rPr lang="en-US" sz="3000" dirty="0">
                 <a:solidFill>
                   <a:srgbClr val="000000"/>
                 </a:solidFill>
@@ -5023,7 +5305,7 @@
             </a:r>
           </a:p>
           <a:p>
-            <a:pPr algn="l" marL="647700" indent="-323850" lvl="1">
+            <a:pPr marL="647700" lvl="1" indent="-323850" algn="l">
               <a:lnSpc>
                 <a:spcPts val="4200"/>
               </a:lnSpc>
@@ -5031,7 +5313,7 @@
               <a:buChar char="•"/>
             </a:pPr>
             <a:r>
-              <a:rPr lang="en-US" sz="3000">
+              <a:rPr lang="en-US" sz="3000" dirty="0">
                 <a:solidFill>
                   <a:srgbClr val="000000"/>
                 </a:solidFill>
@@ -5049,6 +5331,15 @@
                 <a:spcPts val="4200"/>
               </a:lnSpc>
             </a:pPr>
+            <a:endParaRPr lang="en-US" sz="3000" dirty="0">
+              <a:solidFill>
+                <a:srgbClr val="000000"/>
+              </a:solidFill>
+              <a:latin typeface="Anton"/>
+              <a:ea typeface="Anton"/>
+              <a:cs typeface="Anton"/>
+              <a:sym typeface="Anton"/>
+            </a:endParaRPr>
           </a:p>
           <a:p>
             <a:pPr algn="l">
@@ -5057,7 +5348,7 @@
               </a:lnSpc>
             </a:pPr>
             <a:r>
-              <a:rPr lang="en-US" sz="3000">
+              <a:rPr lang="en-US" sz="3000" dirty="0">
                 <a:solidFill>
                   <a:srgbClr val="000000"/>
                 </a:solidFill>
@@ -5070,7 +5361,7 @@
             </a:r>
           </a:p>
           <a:p>
-            <a:pPr algn="l" marL="647700" indent="-323850" lvl="1">
+            <a:pPr marL="647700" lvl="1" indent="-323850" algn="l">
               <a:lnSpc>
                 <a:spcPts val="4200"/>
               </a:lnSpc>
@@ -5078,7 +5369,7 @@
               <a:buChar char="•"/>
             </a:pPr>
             <a:r>
-              <a:rPr lang="en-US" sz="3000">
+              <a:rPr lang="en-US" sz="3000" dirty="0">
                 <a:solidFill>
                   <a:srgbClr val="000000"/>
                 </a:solidFill>
@@ -5091,7 +5382,7 @@
             </a:r>
           </a:p>
           <a:p>
-            <a:pPr algn="l" marL="647700" indent="-323850" lvl="1">
+            <a:pPr marL="647700" lvl="1" indent="-323850" algn="l">
               <a:lnSpc>
                 <a:spcPts val="4200"/>
               </a:lnSpc>
@@ -5099,7 +5390,7 @@
               <a:buChar char="•"/>
             </a:pPr>
             <a:r>
-              <a:rPr lang="en-US" sz="3000">
+              <a:rPr lang="en-US" sz="3000" dirty="0">
                 <a:solidFill>
                   <a:srgbClr val="000000"/>
                 </a:solidFill>
@@ -5112,7 +5403,7 @@
             </a:r>
           </a:p>
           <a:p>
-            <a:pPr algn="l" marL="647700" indent="-323850" lvl="1">
+            <a:pPr marL="647700" lvl="1" indent="-323850" algn="l">
               <a:lnSpc>
                 <a:spcPts val="4200"/>
               </a:lnSpc>
@@ -5120,7 +5411,7 @@
               <a:buChar char="•"/>
             </a:pPr>
             <a:r>
-              <a:rPr lang="en-US" sz="3000">
+              <a:rPr lang="en-US" sz="3000" dirty="0">
                 <a:solidFill>
                   <a:srgbClr val="000000"/>
                 </a:solidFill>
@@ -5138,6 +5429,15 @@
                 <a:spcPts val="4200"/>
               </a:lnSpc>
             </a:pPr>
+            <a:endParaRPr lang="en-US" sz="3000" dirty="0">
+              <a:solidFill>
+                <a:srgbClr val="000000"/>
+              </a:solidFill>
+              <a:latin typeface="Anton"/>
+              <a:ea typeface="Anton"/>
+              <a:cs typeface="Anton"/>
+              <a:sym typeface="Anton"/>
+            </a:endParaRPr>
           </a:p>
           <a:p>
             <a:pPr algn="l">
@@ -5146,7 +5446,7 @@
               </a:lnSpc>
             </a:pPr>
             <a:r>
-              <a:rPr lang="en-US" sz="3000">
+              <a:rPr lang="en-US" sz="3000" dirty="0">
                 <a:solidFill>
                   <a:srgbClr val="000000"/>
                 </a:solidFill>
@@ -5162,12 +5462,12 @@
       </p:sp>
       <p:sp>
         <p:nvSpPr>
-          <p:cNvPr name="Freeform 5" id="5"/>
+          <p:cNvPr id="5" name="Freeform 5"/>
           <p:cNvSpPr/>
           <p:nvPr/>
         </p:nvSpPr>
         <p:spPr>
-          <a:xfrm flipH="false" flipV="false" rot="0">
+          <a:xfrm>
             <a:off x="13661698" y="4850456"/>
             <a:ext cx="3088899" cy="2795540"/>
           </a:xfrm>
@@ -5176,9 +5476,9 @@
             <a:gdLst/>
             <a:ahLst/>
             <a:cxnLst/>
-            <a:rect r="r" b="b" t="t" l="l"/>
+            <a:rect l="l" t="t" r="r" b="b"/>
             <a:pathLst>
-              <a:path h="2795540" w="3088899">
+              <a:path w="3088899" h="2795540">
                 <a:moveTo>
                   <a:pt x="0" y="0"/>
                 </a:moveTo>
@@ -5201,19 +5501,26 @@
           <a:blipFill>
             <a:blip r:embed="rId4"/>
             <a:stretch>
-              <a:fillRect l="0" t="0" r="0" b="0"/>
+              <a:fillRect/>
             </a:stretch>
           </a:blipFill>
         </p:spPr>
-      </p:sp>
-      <p:sp>
-        <p:nvSpPr>
-          <p:cNvPr name="TextBox 6" id="6"/>
-          <p:cNvSpPr txBox="true"/>
+        <p:txBody>
+          <a:bodyPr/>
+          <a:lstStyle/>
+          <a:p>
+            <a:endParaRPr lang="en-US"/>
+          </a:p>
+        </p:txBody>
+      </p:sp>
+      <p:sp>
+        <p:nvSpPr>
+          <p:cNvPr id="6" name="TextBox 6"/>
+          <p:cNvSpPr txBox="1"/>
           <p:nvPr/>
         </p:nvSpPr>
         <p:spPr>
-          <a:xfrm rot="0">
+          <a:xfrm>
             <a:off x="1028700" y="310225"/>
             <a:ext cx="5089980" cy="1782943"/>
           </a:xfrm>
@@ -5222,12 +5529,12 @@
           </a:prstGeom>
         </p:spPr>
         <p:txBody>
-          <a:bodyPr anchor="t" rtlCol="false" tIns="0" lIns="0" bIns="0" rIns="0">
+          <a:bodyPr lIns="0" tIns="0" rIns="0" bIns="0" rtlCol="0" anchor="t">
             <a:spAutoFit/>
           </a:bodyPr>
           <a:lstStyle/>
           <a:p>
-            <a:pPr algn="l" marL="0" indent="0" lvl="0">
+            <a:pPr marL="0" lvl="0" indent="0" algn="l">
               <a:lnSpc>
                 <a:spcPts val="14602"/>
               </a:lnSpc>
